--- a/project_01/docs/ENGI301_project_01_proposal.pptx
+++ b/project_01/docs/ENGI301_project_01_proposal.pptx
@@ -2992,7 +2992,7 @@
           <a:p>
             <a:fld id="{59041DB8-B66F-4DC8-A96E-33677E0F90FF}" type="datetimeFigureOut">
               <a:rPr lang="en-US" smtClean="0"/>
-              <a:t>9/28/22</a:t>
+              <a:t>12/13/2022</a:t>
             </a:fld>
             <a:endParaRPr lang="en-US"/>
           </a:p>
@@ -3157,7 +3157,7 @@
           <a:p>
             <a:fld id="{DEB49C4A-65AC-492D-9701-81B46C3AD0E4}" type="datetimeFigureOut">
               <a:rPr lang="en-US" smtClean="0"/>
-              <a:t>9/28/22</a:t>
+              <a:t>12/13/2022</a:t>
             </a:fld>
             <a:endParaRPr lang="en-US"/>
           </a:p>
@@ -5917,7 +5917,7 @@
           <a:p>
             <a:fld id="{384A29A4-78C8-47AB-BA06-22CB45938951}" type="datetime1">
               <a:rPr lang="en-US" smtClean="0"/>
-              <a:t>9/28/22</a:t>
+              <a:t>12/13/2022</a:t>
             </a:fld>
             <a:endParaRPr lang="en-US"/>
           </a:p>
@@ -6112,7 +6112,7 @@
           <a:p>
             <a:fld id="{E1ED4ACF-2D82-46F2-A8E9-23963AA34E86}" type="datetime1">
               <a:rPr lang="en-US" smtClean="0"/>
-              <a:t>9/28/22</a:t>
+              <a:t>12/13/2022</a:t>
             </a:fld>
             <a:endParaRPr lang="en-US"/>
           </a:p>
@@ -6306,7 +6306,7 @@
           <a:p>
             <a:fld id="{AE374B5B-21A0-4192-BF4C-38187F1A68D8}" type="datetime1">
               <a:rPr lang="en-US" smtClean="0"/>
-              <a:t>9/28/22</a:t>
+              <a:t>12/13/2022</a:t>
             </a:fld>
             <a:endParaRPr lang="en-US"/>
           </a:p>
@@ -8647,7 +8647,7 @@
           <a:p>
             <a:fld id="{33B5CF7C-B333-48E1-A4A6-83A3C8B73AC0}" type="datetime1">
               <a:rPr lang="en-US" smtClean="0"/>
-              <a:t>9/28/22</a:t>
+              <a:t>12/13/2022</a:t>
             </a:fld>
             <a:endParaRPr lang="en-US"/>
           </a:p>
@@ -9100,7 +9100,7 @@
           <a:p>
             <a:fld id="{AE320762-5CBF-4210-AB54-376B091119F8}" type="datetime1">
               <a:rPr lang="en-US" smtClean="0"/>
-              <a:t>9/28/22</a:t>
+              <a:t>12/13/2022</a:t>
             </a:fld>
             <a:endParaRPr lang="en-US"/>
           </a:p>
@@ -9232,7 +9232,7 @@
           <a:p>
             <a:fld id="{7F0DB371-BF5F-4058-A212-1A908E4D2674}" type="datetime1">
               <a:rPr lang="en-US" smtClean="0"/>
-              <a:t>9/28/22</a:t>
+              <a:t>12/13/2022</a:t>
             </a:fld>
             <a:endParaRPr lang="en-US"/>
           </a:p>
@@ -11165,7 +11165,7 @@
           <a:p>
             <a:fld id="{60A4083B-90AA-48CF-BAD5-00AA24D7F288}" type="datetime1">
               <a:rPr lang="en-US" smtClean="0"/>
-              <a:t>9/28/22</a:t>
+              <a:t>12/13/2022</a:t>
             </a:fld>
             <a:endParaRPr lang="en-US"/>
           </a:p>
@@ -13424,7 +13424,7 @@
             <a:fld id="{F5BAF629-ECA2-4CF3-B790-9D9BDED98269}" type="datetime1">
               <a:rPr lang="en-US" smtClean="0"/>
               <a:pPr/>
-              <a:t>9/28/22</a:t>
+              <a:t>12/13/2022</a:t>
             </a:fld>
             <a:endParaRPr lang="en-US"/>
           </a:p>
@@ -17719,7 +17719,7 @@
             <a:fld id="{B51B2453-8663-4C69-AF73-9FD7B1DEC5D0}" type="datetime1">
               <a:rPr lang="en-US" smtClean="0"/>
               <a:pPr/>
-              <a:t>9/28/22</a:t>
+              <a:t>12/13/2022</a:t>
             </a:fld>
             <a:endParaRPr lang="en-US" dirty="0"/>
           </a:p>
@@ -18236,7 +18236,7 @@
           <a:p>
             <a:r>
               <a:rPr lang="en-US" dirty="0"/>
-              <a:t>9/26/2022</a:t>
+              <a:t>12/13/2022</a:t>
             </a:r>
           </a:p>
           <a:p>
@@ -19452,35 +19452,6 @@
           <a:chExt cx="0" cy="0"/>
         </a:xfrm>
       </p:grpSpPr>
-      <p:pic>
-        <p:nvPicPr>
-          <p:cNvPr id="4" name="Picture 3" descr="Diagram&#10;&#10;Description automatically generated">
-            <a:extLst>
-              <a:ext uri="{FF2B5EF4-FFF2-40B4-BE49-F238E27FC236}">
-                <a16:creationId xmlns:a16="http://schemas.microsoft.com/office/drawing/2014/main" id="{81BA1D5F-B3FD-6E5D-7CB4-12C2B9C7C995}"/>
-              </a:ext>
-            </a:extLst>
-          </p:cNvPr>
-          <p:cNvPicPr>
-            <a:picLocks noChangeAspect="1"/>
-          </p:cNvPicPr>
-          <p:nvPr/>
-        </p:nvPicPr>
-        <p:blipFill rotWithShape="1">
-          <a:blip r:embed="rId2"/>
-          <a:srcRect l="11363" t="20556" r="7930" b="17222"/>
-          <a:stretch/>
-        </p:blipFill>
-        <p:spPr>
-          <a:xfrm>
-            <a:off x="2667001" y="1409700"/>
-            <a:ext cx="7162800" cy="4267200"/>
-          </a:xfrm>
-          <a:prstGeom prst="rect">
-            <a:avLst/>
-          </a:prstGeom>
-        </p:spPr>
-      </p:pic>
       <p:sp>
         <p:nvSpPr>
           <p:cNvPr id="2" name="Title 1">
@@ -19509,6 +19480,36 @@
           </a:p>
         </p:txBody>
       </p:sp>
+      <p:pic>
+        <p:nvPicPr>
+          <p:cNvPr id="5" name="Picture 4" descr="Diagram, schematic&#10;&#10;Description automatically generated">
+            <a:extLst>
+              <a:ext uri="{FF2B5EF4-FFF2-40B4-BE49-F238E27FC236}">
+                <a16:creationId xmlns:a16="http://schemas.microsoft.com/office/drawing/2014/main" id="{AA86FB74-A3D7-E3B4-896E-18FE67AF42D6}"/>
+              </a:ext>
+            </a:extLst>
+          </p:cNvPr>
+          <p:cNvPicPr>
+            <a:picLocks noChangeAspect="1"/>
+          </p:cNvPicPr>
+          <p:nvPr/>
+        </p:nvPicPr>
+        <p:blipFill>
+          <a:blip r:embed="rId2"/>
+          <a:stretch>
+            <a:fillRect/>
+          </a:stretch>
+        </p:blipFill>
+        <p:spPr>
+          <a:xfrm>
+            <a:off x="2223959" y="1333500"/>
+            <a:ext cx="7744082" cy="4701083"/>
+          </a:xfrm>
+          <a:prstGeom prst="rect">
+            <a:avLst/>
+          </a:prstGeom>
+        </p:spPr>
+      </p:pic>
     </p:spTree>
     <p:extLst>
       <p:ext uri="{BB962C8B-B14F-4D97-AF65-F5344CB8AC3E}">
@@ -20624,14 +20625,14 @@
           <p:nvPr>
             <p:extLst>
               <p:ext uri="{D42A27DB-BD31-4B8C-83A1-F6EECF244321}">
-                <p14:modId xmlns:p14="http://schemas.microsoft.com/office/powerpoint/2010/main" val="3602153346"/>
+                <p14:modId xmlns:p14="http://schemas.microsoft.com/office/powerpoint/2010/main" val="3549179557"/>
               </p:ext>
             </p:extLst>
           </p:nvPr>
         </p:nvGraphicFramePr>
         <p:xfrm>
           <a:off x="6181225" y="2373628"/>
-          <a:ext cx="5791200" cy="2966720"/>
+          <a:ext cx="5791200" cy="2595880"/>
         </p:xfrm>
         <a:graphic>
           <a:graphicData uri="http://schemas.openxmlformats.org/drawingml/2006/table">
@@ -20708,144 +20709,6 @@
                 <a:extLst>
                   <a:ext uri="{0D108BD9-81ED-4DB2-BD59-A6C34878D82A}">
                     <a16:rowId xmlns:a16="http://schemas.microsoft.com/office/drawing/2014/main" val="2451925360"/>
-                  </a:ext>
-                </a:extLst>
-              </a:tr>
-              <a:tr h="370840">
-                <a:tc>
-                  <a:txBody>
-                    <a:bodyPr/>
-                    <a:lstStyle/>
-                    <a:p>
-                      <a:r>
-                        <a:rPr lang="en-US" dirty="0"/>
-                        <a:t>QI Wireless</a:t>
-                      </a:r>
-                    </a:p>
-                  </a:txBody>
-                  <a:tcPr/>
-                </a:tc>
-                <a:tc>
-                  <a:txBody>
-                    <a:bodyPr/>
-                    <a:lstStyle/>
-                    <a:p>
-                      <a:r>
-                        <a:rPr lang="en-US" dirty="0"/>
-                        <a:t>5V</a:t>
-                      </a:r>
-                    </a:p>
-                  </a:txBody>
-                  <a:tcPr/>
-                </a:tc>
-                <a:tc>
-                  <a:txBody>
-                    <a:bodyPr/>
-                    <a:lstStyle/>
-                    <a:p>
-                      <a:r>
-                        <a:rPr lang="en-US" dirty="0"/>
-                        <a:t>500 mA</a:t>
-                      </a:r>
-                    </a:p>
-                  </a:txBody>
-                  <a:tcPr/>
-                </a:tc>
-                <a:extLst>
-                  <a:ext uri="{0D108BD9-81ED-4DB2-BD59-A6C34878D82A}">
-                    <a16:rowId xmlns:a16="http://schemas.microsoft.com/office/drawing/2014/main" val="1748798108"/>
-                  </a:ext>
-                </a:extLst>
-              </a:tr>
-              <a:tr h="370840">
-                <a:tc>
-                  <a:txBody>
-                    <a:bodyPr/>
-                    <a:lstStyle/>
-                    <a:p>
-                      <a:r>
-                        <a:rPr lang="en-US" dirty="0"/>
-                        <a:t>LiPo Charger</a:t>
-                      </a:r>
-                    </a:p>
-                  </a:txBody>
-                  <a:tcPr/>
-                </a:tc>
-                <a:tc>
-                  <a:txBody>
-                    <a:bodyPr/>
-                    <a:lstStyle/>
-                    <a:p>
-                      <a:r>
-                        <a:rPr lang="en-US" dirty="0"/>
-                        <a:t>5V</a:t>
-                      </a:r>
-                    </a:p>
-                  </a:txBody>
-                  <a:tcPr/>
-                </a:tc>
-                <a:tc>
-                  <a:txBody>
-                    <a:bodyPr/>
-                    <a:lstStyle/>
-                    <a:p>
-                      <a:r>
-                        <a:rPr lang="en-US" dirty="0"/>
-                        <a:t>1A</a:t>
-                      </a:r>
-                    </a:p>
-                  </a:txBody>
-                  <a:tcPr/>
-                </a:tc>
-                <a:extLst>
-                  <a:ext uri="{0D108BD9-81ED-4DB2-BD59-A6C34878D82A}">
-                    <a16:rowId xmlns:a16="http://schemas.microsoft.com/office/drawing/2014/main" val="3225682503"/>
-                  </a:ext>
-                </a:extLst>
-              </a:tr>
-              <a:tr h="370840">
-                <a:tc>
-                  <a:txBody>
-                    <a:bodyPr/>
-                    <a:lstStyle/>
-                    <a:p>
-                      <a:r>
-                        <a:rPr lang="en-US" dirty="0"/>
-                        <a:t>Batteries</a:t>
-                      </a:r>
-                    </a:p>
-                  </a:txBody>
-                  <a:tcPr/>
-                </a:tc>
-                <a:tc>
-                  <a:txBody>
-                    <a:bodyPr/>
-                    <a:lstStyle/>
-                    <a:p>
-                      <a:r>
-                        <a:rPr lang="en-US" dirty="0"/>
-                        <a:t>7.4V</a:t>
-                      </a:r>
-                    </a:p>
-                  </a:txBody>
-                  <a:tcPr/>
-                </a:tc>
-                <a:tc>
-                  <a:txBody>
-                    <a:bodyPr/>
-                    <a:lstStyle/>
-                    <a:p>
-                      <a:r>
-                        <a:rPr lang="en-US" dirty="0"/>
-                        <a:t>5.0 µA</a:t>
-                      </a:r>
-                    </a:p>
-                  </a:txBody>
-                  <a:tcPr/>
-                </a:tc>
-                <a:extLst>
-                  <a:ext uri="{0D108BD9-81ED-4DB2-BD59-A6C34878D82A}">
-                    <a16:rowId xmlns:a16="http://schemas.microsoft.com/office/drawing/2014/main" val="1318124858"/>
                   </a:ext>
                 </a:extLst>
               </a:tr>
@@ -20995,7 +20858,7 @@
                     <a:p>
                       <a:r>
                         <a:rPr lang="en-US" dirty="0"/>
-                        <a:t>HC-06</a:t>
+                        <a:t>HT16K33 7SEG</a:t>
                       </a:r>
                     </a:p>
                   </a:txBody>
@@ -21033,16 +20896,108 @@
                   </a:ext>
                 </a:extLst>
               </a:tr>
+              <a:tr h="370840">
+                <a:tc>
+                  <a:txBody>
+                    <a:bodyPr/>
+                    <a:lstStyle/>
+                    <a:p>
+                      <a:r>
+                        <a:rPr lang="en-US" dirty="0"/>
+                        <a:t>LEDs</a:t>
+                      </a:r>
+                    </a:p>
+                  </a:txBody>
+                  <a:tcPr/>
+                </a:tc>
+                <a:tc>
+                  <a:txBody>
+                    <a:bodyPr/>
+                    <a:lstStyle/>
+                    <a:p>
+                      <a:r>
+                        <a:rPr lang="en-US" dirty="0"/>
+                        <a:t>GPIO</a:t>
+                      </a:r>
+                    </a:p>
+                  </a:txBody>
+                  <a:tcPr/>
+                </a:tc>
+                <a:tc>
+                  <a:txBody>
+                    <a:bodyPr/>
+                    <a:lstStyle/>
+                    <a:p>
+                      <a:r>
+                        <a:rPr lang="en-US" dirty="0"/>
+                        <a:t>20mA</a:t>
+                      </a:r>
+                    </a:p>
+                  </a:txBody>
+                  <a:tcPr/>
+                </a:tc>
+                <a:extLst>
+                  <a:ext uri="{0D108BD9-81ED-4DB2-BD59-A6C34878D82A}">
+                    <a16:rowId xmlns:a16="http://schemas.microsoft.com/office/drawing/2014/main" val="2824009294"/>
+                  </a:ext>
+                </a:extLst>
+              </a:tr>
+              <a:tr h="370840">
+                <a:tc>
+                  <a:txBody>
+                    <a:bodyPr/>
+                    <a:lstStyle/>
+                    <a:p>
+                      <a:r>
+                        <a:rPr lang="en-US" dirty="0"/>
+                        <a:t>Button</a:t>
+                      </a:r>
+                    </a:p>
+                  </a:txBody>
+                  <a:tcPr/>
+                </a:tc>
+                <a:tc>
+                  <a:txBody>
+                    <a:bodyPr/>
+                    <a:lstStyle/>
+                    <a:p>
+                      <a:r>
+                        <a:rPr lang="en-US" dirty="0"/>
+                        <a:t>3.3V</a:t>
+                      </a:r>
+                    </a:p>
+                  </a:txBody>
+                  <a:tcPr/>
+                </a:tc>
+                <a:tc>
+                  <a:txBody>
+                    <a:bodyPr/>
+                    <a:lstStyle/>
+                    <a:p>
+                      <a:r>
+                        <a:rPr lang="en-US" dirty="0"/>
+                        <a:t>20mA</a:t>
+                      </a:r>
+                    </a:p>
+                  </a:txBody>
+                  <a:tcPr/>
+                </a:tc>
+                <a:extLst>
+                  <a:ext uri="{0D108BD9-81ED-4DB2-BD59-A6C34878D82A}">
+                    <a16:rowId xmlns:a16="http://schemas.microsoft.com/office/drawing/2014/main" val="854508620"/>
+                  </a:ext>
+                </a:extLst>
+              </a:tr>
             </a:tbl>
           </a:graphicData>
         </a:graphic>
       </p:graphicFrame>
       <p:pic>
         <p:nvPicPr>
-          <p:cNvPr id="14" name="Picture 13" descr="Diagram&#10;&#10;Description automatically generated">
+          <p:cNvPr id="4" name="Picture 3">
             <a:extLst>
               <a:ext uri="{FF2B5EF4-FFF2-40B4-BE49-F238E27FC236}">
-                <a16:creationId xmlns:a16="http://schemas.microsoft.com/office/drawing/2014/main" id="{1F85D1D6-AF89-6A07-EBDB-6EDF5DE896E5}"/>
+                <a16:creationId xmlns:a16="http://schemas.microsoft.com/office/drawing/2014/main" id="{F100F085-05A9-10B8-3BFC-B7AB5B24220E}"/>
               </a:ext>
             </a:extLst>
           </p:cNvPr>
@@ -21059,8 +21014,8 @@
         </p:blipFill>
         <p:spPr>
           <a:xfrm>
-            <a:off x="506596" y="1676400"/>
-            <a:ext cx="5504180" cy="4253230"/>
+            <a:off x="381000" y="1866900"/>
+            <a:ext cx="5687800" cy="3543300"/>
           </a:xfrm>
           <a:prstGeom prst="rect">
             <a:avLst/>
@@ -21516,14 +21471,14 @@
             <p:ph idx="1"/>
             <p:extLst>
               <p:ext uri="{D42A27DB-BD31-4B8C-83A1-F6EECF244321}">
-                <p14:modId xmlns:p14="http://schemas.microsoft.com/office/powerpoint/2010/main" val="3544397550"/>
+                <p14:modId xmlns:p14="http://schemas.microsoft.com/office/powerpoint/2010/main" val="2207753550"/>
               </p:ext>
             </p:extLst>
           </p:nvPr>
         </p:nvGraphicFramePr>
         <p:xfrm>
-          <a:off x="609600" y="1295400"/>
-          <a:ext cx="10972800" cy="3708400"/>
+          <a:off x="609600" y="1219200"/>
+          <a:ext cx="10972800" cy="5323840"/>
         </p:xfrm>
         <a:graphic>
           <a:graphicData uri="http://schemas.openxmlformats.org/drawingml/2006/table">
@@ -21566,7 +21521,7 @@
                       </a:r>
                     </a:p>
                   </a:txBody>
-                  <a:tcPr/>
+                  <a:tcPr anchor="ctr"/>
                 </a:tc>
                 <a:tc>
                   <a:txBody>
@@ -21579,7 +21534,7 @@
                       </a:r>
                     </a:p>
                   </a:txBody>
-                  <a:tcPr/>
+                  <a:tcPr anchor="ctr"/>
                 </a:tc>
                 <a:tc>
                   <a:txBody>
@@ -21592,60 +21547,11 @@
                       </a:r>
                     </a:p>
                   </a:txBody>
-                  <a:tcPr/>
+                  <a:tcPr anchor="ctr"/>
                 </a:tc>
                 <a:extLst>
                   <a:ext uri="{0D108BD9-81ED-4DB2-BD59-A6C34878D82A}">
                     <a16:rowId xmlns:a16="http://schemas.microsoft.com/office/drawing/2014/main" val="1606800787"/>
-                  </a:ext>
-                </a:extLst>
-              </a:tr>
-              <a:tr h="370840">
-                <a:tc>
-                  <a:txBody>
-                    <a:bodyPr/>
-                    <a:lstStyle/>
-                    <a:p>
-                      <a:r>
-                        <a:rPr lang="en-US" dirty="0">
-                          <a:hlinkClick r:id="rId3"/>
-                        </a:rPr>
-                        <a:t>QI Wireless Power Coils</a:t>
-                      </a:r>
-                      <a:endParaRPr lang="en-US" dirty="0"/>
-                    </a:p>
-                  </a:txBody>
-                  <a:tcPr/>
-                </a:tc>
-                <a:tc>
-                  <a:txBody>
-                    <a:bodyPr/>
-                    <a:lstStyle/>
-                    <a:p>
-                      <a:r>
-                        <a:rPr lang="en-US" dirty="0"/>
-                        <a:t>1</a:t>
-                      </a:r>
-                    </a:p>
-                  </a:txBody>
-                  <a:tcPr/>
-                </a:tc>
-                <a:tc>
-                  <a:txBody>
-                    <a:bodyPr/>
-                    <a:lstStyle/>
-                    <a:p>
-                      <a:r>
-                        <a:rPr lang="en-US" dirty="0"/>
-                        <a:t>$8.50</a:t>
-                      </a:r>
-                    </a:p>
-                  </a:txBody>
-                  <a:tcPr/>
-                </a:tc>
-                <a:extLst>
-                  <a:ext uri="{0D108BD9-81ED-4DB2-BD59-A6C34878D82A}">
-                    <a16:rowId xmlns:a16="http://schemas.microsoft.com/office/drawing/2014/main" val="33313506"/>
                   </a:ext>
                 </a:extLst>
               </a:tr>
@@ -21681,7 +21587,7 @@
                           <a:latin typeface="+mn-lt"/>
                           <a:ea typeface="+mn-ea"/>
                           <a:cs typeface="+mn-cs"/>
-                          <a:hlinkClick r:id="rId4"/>
+                          <a:hlinkClick r:id="rId3"/>
                         </a:rPr>
                         <a:t>NIR LED 950nm (Mouser Part #755-SIR-34ST3F)</a:t>
                       </a:r>
@@ -21696,7 +21602,7 @@
                       </a:endParaRPr>
                     </a:p>
                   </a:txBody>
-                  <a:tcPr/>
+                  <a:tcPr anchor="ctr"/>
                 </a:tc>
                 <a:tc>
                   <a:txBody>
@@ -21709,7 +21615,7 @@
                       </a:r>
                     </a:p>
                   </a:txBody>
-                  <a:tcPr/>
+                  <a:tcPr anchor="ctr"/>
                 </a:tc>
                 <a:tc>
                   <a:txBody>
@@ -21722,7 +21628,7 @@
                       </a:r>
                     </a:p>
                   </a:txBody>
-                  <a:tcPr/>
+                  <a:tcPr anchor="ctr"/>
                 </a:tc>
                 <a:extLst>
                   <a:ext uri="{0D108BD9-81ED-4DB2-BD59-A6C34878D82A}">
@@ -21738,7 +21644,7 @@
                     <a:p>
                       <a:r>
                         <a:rPr lang="en-US" dirty="0">
-                          <a:hlinkClick r:id="rId5"/>
+                          <a:hlinkClick r:id="rId4"/>
                         </a:rPr>
                         <a:t>NIR Sensor (</a:t>
                       </a:r>
@@ -21751,7 +21657,7 @@
                           <a:latin typeface="+mn-lt"/>
                           <a:ea typeface="+mn-ea"/>
                           <a:cs typeface="+mn-cs"/>
-                          <a:hlinkClick r:id="rId5"/>
+                          <a:hlinkClick r:id="rId4"/>
                         </a:rPr>
                         <a:t>SparkFun</a:t>
                       </a:r>
@@ -21764,14 +21670,14 @@
                           <a:latin typeface="+mn-lt"/>
                           <a:ea typeface="+mn-ea"/>
                           <a:cs typeface="+mn-cs"/>
-                          <a:hlinkClick r:id="rId5"/>
+                          <a:hlinkClick r:id="rId4"/>
                         </a:rPr>
                         <a:t> Spectral Sensor Breakout)</a:t>
                       </a:r>
                       <a:endParaRPr lang="en-US" dirty="0"/>
                     </a:p>
                   </a:txBody>
-                  <a:tcPr/>
+                  <a:tcPr anchor="ctr"/>
                 </a:tc>
                 <a:tc>
                   <a:txBody>
@@ -21784,7 +21690,7 @@
                       </a:r>
                     </a:p>
                   </a:txBody>
-                  <a:tcPr/>
+                  <a:tcPr anchor="ctr"/>
                 </a:tc>
                 <a:tc>
                   <a:txBody>
@@ -21797,7 +21703,7 @@
                       </a:r>
                     </a:p>
                   </a:txBody>
-                  <a:tcPr/>
+                  <a:tcPr anchor="ctr"/>
                 </a:tc>
                 <a:extLst>
                   <a:ext uri="{0D108BD9-81ED-4DB2-BD59-A6C34878D82A}">
@@ -21812,76 +21718,12 @@
                     <a:lstStyle/>
                     <a:p>
                       <a:r>
-                        <a:rPr lang="en-US" dirty="0">
-                          <a:hlinkClick r:id="rId6"/>
-                        </a:rPr>
-                        <a:t>LiPo Battery 3.7V</a:t>
-                      </a:r>
-                      <a:endParaRPr lang="en-US" dirty="0"/>
-                    </a:p>
-                  </a:txBody>
-                  <a:tcPr/>
-                </a:tc>
-                <a:tc>
-                  <a:txBody>
-                    <a:bodyPr/>
-                    <a:lstStyle/>
-                    <a:p>
-                      <a:r>
                         <a:rPr lang="en-US" dirty="0"/>
-                        <a:t>2</a:t>
+                        <a:t>HT16K33 7-Segment Display</a:t>
                       </a:r>
                     </a:p>
                   </a:txBody>
-                  <a:tcPr/>
-                </a:tc>
-                <a:tc>
-                  <a:txBody>
-                    <a:bodyPr/>
-                    <a:lstStyle/>
-                    <a:p>
-                      <a:r>
-                        <a:rPr lang="en-US" dirty="0"/>
-                        <a:t>$12.50</a:t>
-                      </a:r>
-                    </a:p>
-                  </a:txBody>
-                  <a:tcPr/>
-                </a:tc>
-                <a:extLst>
-                  <a:ext uri="{0D108BD9-81ED-4DB2-BD59-A6C34878D82A}">
-                    <a16:rowId xmlns:a16="http://schemas.microsoft.com/office/drawing/2014/main" val="3862840897"/>
-                  </a:ext>
-                </a:extLst>
-              </a:tr>
-              <a:tr h="370840">
-                <a:tc>
-                  <a:txBody>
-                    <a:bodyPr/>
-                    <a:lstStyle/>
-                    <a:p>
-                      <a:r>
-                        <a:rPr lang="en-US" dirty="0">
-                          <a:hlinkClick r:id="rId7"/>
-                        </a:rPr>
-                        <a:t>Blackhawk Inside </a:t>
-                      </a:r>
-                      <a:r>
-                        <a:rPr lang="en-US" dirty="0" err="1">
-                          <a:hlinkClick r:id="rId7"/>
-                        </a:rPr>
-                        <a:t>Waisteband</a:t>
-                      </a:r>
-                      <a:r>
-                        <a:rPr lang="en-US" dirty="0">
-                          <a:hlinkClick r:id="rId7"/>
-                        </a:rPr>
-                        <a:t> Gun Holster</a:t>
-                      </a:r>
-                      <a:endParaRPr lang="en-US" dirty="0"/>
-                    </a:p>
-                  </a:txBody>
-                  <a:tcPr/>
+                  <a:tcPr anchor="ctr"/>
                 </a:tc>
                 <a:tc>
                   <a:txBody>
@@ -21894,7 +21736,7 @@
                       </a:r>
                     </a:p>
                   </a:txBody>
-                  <a:tcPr/>
+                  <a:tcPr anchor="ctr"/>
                 </a:tc>
                 <a:tc>
                   <a:txBody>
@@ -21903,15 +21745,15 @@
                     <a:p>
                       <a:r>
                         <a:rPr lang="en-US" dirty="0"/>
-                        <a:t>$14.99</a:t>
+                        <a:t>Included in Class Kit</a:t>
                       </a:r>
                     </a:p>
                   </a:txBody>
-                  <a:tcPr/>
+                  <a:tcPr anchor="ctr"/>
                 </a:tc>
                 <a:extLst>
                   <a:ext uri="{0D108BD9-81ED-4DB2-BD59-A6C34878D82A}">
-                    <a16:rowId xmlns:a16="http://schemas.microsoft.com/office/drawing/2014/main" val="1698356184"/>
+                    <a16:rowId xmlns:a16="http://schemas.microsoft.com/office/drawing/2014/main" val="715562086"/>
                   </a:ext>
                 </a:extLst>
               </a:tr>
@@ -21922,15 +21764,12 @@
                     <a:lstStyle/>
                     <a:p>
                       <a:r>
-                        <a:rPr lang="en-US" dirty="0">
-                          <a:hlinkClick r:id="rId8"/>
-                        </a:rPr>
-                        <a:t>HC-06 Bluetooth Module</a:t>
+                        <a:rPr lang="en-US" dirty="0"/>
+                        <a:t>Red LED</a:t>
                       </a:r>
-                      <a:endParaRPr lang="en-US" dirty="0"/>
                     </a:p>
                   </a:txBody>
-                  <a:tcPr/>
+                  <a:tcPr anchor="ctr"/>
                 </a:tc>
                 <a:tc>
                   <a:txBody>
@@ -21943,24 +21782,41 @@
                       </a:r>
                     </a:p>
                   </a:txBody>
-                  <a:tcPr/>
+                  <a:tcPr anchor="ctr"/>
                 </a:tc>
                 <a:tc>
                   <a:txBody>
                     <a:bodyPr/>
                     <a:lstStyle/>
                     <a:p>
+                      <a:pPr marL="0" marR="0" lvl="0" indent="0" algn="l" defTabSz="914400" rtl="0" eaLnBrk="1" fontAlgn="auto" latinLnBrk="0" hangingPunct="1">
+                        <a:lnSpc>
+                          <a:spcPct val="100000"/>
+                        </a:lnSpc>
+                        <a:spcBef>
+                          <a:spcPts val="0"/>
+                        </a:spcBef>
+                        <a:spcAft>
+                          <a:spcPts val="0"/>
+                        </a:spcAft>
+                        <a:buClrTx/>
+                        <a:buSzTx/>
+                        <a:buFontTx/>
+                        <a:buNone/>
+                        <a:tabLst/>
+                        <a:defRPr/>
+                      </a:pPr>
                       <a:r>
                         <a:rPr lang="en-US" dirty="0"/>
-                        <a:t>$8.49</a:t>
+                        <a:t>Included in Class Kit</a:t>
                       </a:r>
                     </a:p>
                   </a:txBody>
-                  <a:tcPr/>
+                  <a:tcPr anchor="ctr"/>
                 </a:tc>
                 <a:extLst>
                   <a:ext uri="{0D108BD9-81ED-4DB2-BD59-A6C34878D82A}">
-                    <a16:rowId xmlns:a16="http://schemas.microsoft.com/office/drawing/2014/main" val="969528999"/>
+                    <a16:rowId xmlns:a16="http://schemas.microsoft.com/office/drawing/2014/main" val="1351849177"/>
                   </a:ext>
                 </a:extLst>
               </a:tr>
@@ -21971,15 +21827,12 @@
                     <a:lstStyle/>
                     <a:p>
                       <a:r>
-                        <a:rPr lang="en-US" dirty="0">
-                          <a:hlinkClick r:id="rId9"/>
-                        </a:rPr>
-                        <a:t>LiPo Battery Charger</a:t>
+                        <a:rPr lang="en-US" dirty="0"/>
+                        <a:t>Yellow LED</a:t>
                       </a:r>
-                      <a:endParaRPr lang="en-US" dirty="0"/>
                     </a:p>
                   </a:txBody>
-                  <a:tcPr/>
+                  <a:tcPr anchor="ctr"/>
                 </a:tc>
                 <a:tc>
                   <a:txBody>
@@ -21992,24 +21845,41 @@
                       </a:r>
                     </a:p>
                   </a:txBody>
-                  <a:tcPr/>
+                  <a:tcPr anchor="ctr"/>
                 </a:tc>
                 <a:tc>
                   <a:txBody>
                     <a:bodyPr/>
                     <a:lstStyle/>
                     <a:p>
+                      <a:pPr marL="0" marR="0" lvl="0" indent="0" algn="l" defTabSz="914400" rtl="0" eaLnBrk="1" fontAlgn="auto" latinLnBrk="0" hangingPunct="1">
+                        <a:lnSpc>
+                          <a:spcPct val="100000"/>
+                        </a:lnSpc>
+                        <a:spcBef>
+                          <a:spcPts val="0"/>
+                        </a:spcBef>
+                        <a:spcAft>
+                          <a:spcPts val="0"/>
+                        </a:spcAft>
+                        <a:buClrTx/>
+                        <a:buSzTx/>
+                        <a:buFontTx/>
+                        <a:buNone/>
+                        <a:tabLst/>
+                        <a:defRPr/>
+                      </a:pPr>
                       <a:r>
                         <a:rPr lang="en-US" dirty="0"/>
-                        <a:t>$4.29</a:t>
+                        <a:t>Included in Class Kit</a:t>
                       </a:r>
                     </a:p>
                   </a:txBody>
-                  <a:tcPr/>
+                  <a:tcPr anchor="ctr"/>
                 </a:tc>
                 <a:extLst>
                   <a:ext uri="{0D108BD9-81ED-4DB2-BD59-A6C34878D82A}">
-                    <a16:rowId xmlns:a16="http://schemas.microsoft.com/office/drawing/2014/main" val="1339494152"/>
+                    <a16:rowId xmlns:a16="http://schemas.microsoft.com/office/drawing/2014/main" val="4056601233"/>
                   </a:ext>
                 </a:extLst>
               </a:tr>
@@ -22020,15 +21890,12 @@
                     <a:lstStyle/>
                     <a:p>
                       <a:r>
-                        <a:rPr lang="en-US" dirty="0">
-                          <a:hlinkClick r:id="rId10"/>
-                        </a:rPr>
-                        <a:t>5V LDO (Mouser Part #511-LD29150PT50R)</a:t>
+                        <a:rPr lang="en-US" dirty="0"/>
+                        <a:t>Green LED</a:t>
                       </a:r>
-                      <a:endParaRPr lang="en-US" dirty="0"/>
                     </a:p>
                   </a:txBody>
-                  <a:tcPr/>
+                  <a:tcPr anchor="ctr"/>
                 </a:tc>
                 <a:tc>
                   <a:txBody>
@@ -22041,7 +21908,57 @@
                       </a:r>
                     </a:p>
                   </a:txBody>
-                  <a:tcPr/>
+                  <a:tcPr anchor="ctr"/>
+                </a:tc>
+                <a:tc>
+                  <a:txBody>
+                    <a:bodyPr/>
+                    <a:lstStyle/>
+                    <a:p>
+                      <a:pPr marL="0" marR="0" lvl="0" indent="0" algn="l" defTabSz="914400" rtl="0" eaLnBrk="1" fontAlgn="auto" latinLnBrk="0" hangingPunct="1">
+                        <a:lnSpc>
+                          <a:spcPct val="100000"/>
+                        </a:lnSpc>
+                        <a:spcBef>
+                          <a:spcPts val="0"/>
+                        </a:spcBef>
+                        <a:spcAft>
+                          <a:spcPts val="0"/>
+                        </a:spcAft>
+                        <a:buClrTx/>
+                        <a:buSzTx/>
+                        <a:buFontTx/>
+                        <a:buNone/>
+                        <a:tabLst/>
+                        <a:defRPr/>
+                      </a:pPr>
+                      <a:r>
+                        <a:rPr lang="en-US" dirty="0"/>
+                        <a:t>Included in Class Kit</a:t>
+                      </a:r>
+                    </a:p>
+                  </a:txBody>
+                  <a:tcPr anchor="ctr"/>
+                </a:tc>
+                <a:extLst>
+                  <a:ext uri="{0D108BD9-81ED-4DB2-BD59-A6C34878D82A}">
+                    <a16:rowId xmlns:a16="http://schemas.microsoft.com/office/drawing/2014/main" val="1554342186"/>
+                  </a:ext>
+                </a:extLst>
+              </a:tr>
+              <a:tr h="370840">
+                <a:tc>
+                  <a:txBody>
+                    <a:bodyPr/>
+                    <a:lstStyle/>
+                    <a:p>
+                      <a:r>
+                        <a:rPr lang="en-US" dirty="0"/>
+                        <a:t>Button</a:t>
+                      </a:r>
+                    </a:p>
+                  </a:txBody>
+                  <a:tcPr anchor="ctr"/>
                 </a:tc>
                 <a:tc>
                   <a:txBody>
@@ -22050,15 +21967,109 @@
                     <a:p>
                       <a:r>
                         <a:rPr lang="en-US" dirty="0"/>
-                        <a:t>$1.18</a:t>
+                        <a:t>1</a:t>
                       </a:r>
                     </a:p>
                   </a:txBody>
-                  <a:tcPr/>
+                  <a:tcPr anchor="ctr"/>
+                </a:tc>
+                <a:tc>
+                  <a:txBody>
+                    <a:bodyPr/>
+                    <a:lstStyle/>
+                    <a:p>
+                      <a:pPr marL="0" marR="0" lvl="0" indent="0" algn="l" defTabSz="914400" rtl="0" eaLnBrk="1" fontAlgn="auto" latinLnBrk="0" hangingPunct="1">
+                        <a:lnSpc>
+                          <a:spcPct val="100000"/>
+                        </a:lnSpc>
+                        <a:spcBef>
+                          <a:spcPts val="0"/>
+                        </a:spcBef>
+                        <a:spcAft>
+                          <a:spcPts val="0"/>
+                        </a:spcAft>
+                        <a:buClrTx/>
+                        <a:buSzTx/>
+                        <a:buFontTx/>
+                        <a:buNone/>
+                        <a:tabLst/>
+                        <a:defRPr/>
+                      </a:pPr>
+                      <a:r>
+                        <a:rPr lang="en-US" dirty="0"/>
+                        <a:t>Included in Class Kit</a:t>
+                      </a:r>
+                    </a:p>
+                  </a:txBody>
+                  <a:tcPr anchor="ctr"/>
                 </a:tc>
                 <a:extLst>
                   <a:ext uri="{0D108BD9-81ED-4DB2-BD59-A6C34878D82A}">
-                    <a16:rowId xmlns:a16="http://schemas.microsoft.com/office/drawing/2014/main" val="459326604"/>
+                    <a16:rowId xmlns:a16="http://schemas.microsoft.com/office/drawing/2014/main" val="1025034021"/>
+                  </a:ext>
+                </a:extLst>
+              </a:tr>
+              <a:tr h="370840">
+                <a:tc>
+                  <a:txBody>
+                    <a:bodyPr/>
+                    <a:lstStyle/>
+                    <a:p>
+                      <a:r>
+                        <a:rPr lang="en-US" dirty="0" err="1"/>
+                        <a:t>PocketBeagle</a:t>
+                      </a:r>
+                      <a:endParaRPr lang="en-US" dirty="0"/>
+                    </a:p>
+                  </a:txBody>
+                  <a:tcPr anchor="ctr"/>
+                </a:tc>
+                <a:tc>
+                  <a:txBody>
+                    <a:bodyPr/>
+                    <a:lstStyle/>
+                    <a:p>
+                      <a:r>
+                        <a:rPr lang="en-US" dirty="0"/>
+                        <a:t>1</a:t>
+                      </a:r>
+                    </a:p>
+                  </a:txBody>
+                  <a:tcPr anchor="ctr"/>
+                </a:tc>
+                <a:tc>
+                  <a:txBody>
+                    <a:bodyPr/>
+                    <a:lstStyle/>
+                    <a:p>
+                      <a:pPr marL="0" marR="0" lvl="0" indent="0" algn="l" defTabSz="914400" rtl="0" eaLnBrk="1" fontAlgn="auto" latinLnBrk="0" hangingPunct="1">
+                        <a:lnSpc>
+                          <a:spcPct val="100000"/>
+                        </a:lnSpc>
+                        <a:spcBef>
+                          <a:spcPts val="0"/>
+                        </a:spcBef>
+                        <a:spcAft>
+                          <a:spcPts val="0"/>
+                        </a:spcAft>
+                        <a:buClrTx/>
+                        <a:buSzTx/>
+                        <a:buFontTx/>
+                        <a:buNone/>
+                        <a:tabLst/>
+                        <a:defRPr/>
+                      </a:pPr>
+                      <a:r>
+                        <a:rPr lang="en-US" dirty="0"/>
+                        <a:t>Included in Class Kit</a:t>
+                      </a:r>
+                    </a:p>
+                  </a:txBody>
+                  <a:tcPr anchor="ctr"/>
+                </a:tc>
+                <a:extLst>
+                  <a:ext uri="{0D108BD9-81ED-4DB2-BD59-A6C34878D82A}">
+                    <a16:rowId xmlns:a16="http://schemas.microsoft.com/office/drawing/2014/main" val="1771630819"/>
                   </a:ext>
                 </a:extLst>
               </a:tr>
@@ -22074,7 +22085,7 @@
                       </a:r>
                     </a:p>
                   </a:txBody>
-                  <a:tcPr/>
+                  <a:tcPr anchor="ctr"/>
                 </a:tc>
                 <a:tc hMerge="1">
                   <a:txBody>
@@ -22093,11 +22104,11 @@
                     <a:p>
                       <a:r>
                         <a:rPr lang="en-US" dirty="0"/>
-                        <a:t>$78.77</a:t>
+                        <a:t>$28.82</a:t>
                       </a:r>
                     </a:p>
                   </a:txBody>
-                  <a:tcPr/>
+                  <a:tcPr anchor="ctr"/>
                 </a:tc>
                 <a:extLst>
                   <a:ext uri="{0D108BD9-81ED-4DB2-BD59-A6C34878D82A}">
